--- a/Supporting Documents/Presentation.pptx
+++ b/Supporting Documents/Presentation.pptx
@@ -1828,6 +1828,211 @@
         </p:txBody>
       </p:sp>
     </p:spTree>
+  </p:cSld>
+  <p:clrMapOvr>
+    <a:masterClrMapping/>
+  </p:clrMapOvr>
+</p:notes>
+</file>
+
+<file path=ppt/notesSlides/notesSlide2.xml><?xml version="1.0" encoding="utf-8"?>
+<p:notes xmlns:a="http://schemas.openxmlformats.org/drawingml/2006/main" xmlns:r="http://schemas.openxmlformats.org/officeDocument/2006/relationships" xmlns:p="http://schemas.openxmlformats.org/presentationml/2006/main">
+  <p:cSld>
+    <p:spTree>
+      <p:nvGrpSpPr>
+        <p:cNvPr id="1" name=""/>
+        <p:cNvGrpSpPr/>
+        <p:nvPr/>
+      </p:nvGrpSpPr>
+      <p:grpSpPr>
+        <a:xfrm>
+          <a:off x="0" y="0"/>
+          <a:ext cx="0" cy="0"/>
+          <a:chOff x="0" y="0"/>
+          <a:chExt cx="0" cy="0"/>
+        </a:xfrm>
+      </p:grpSpPr>
+      <p:sp>
+        <p:nvSpPr>
+          <p:cNvPr id="2" name="Slide Image Placeholder 1"/>
+          <p:cNvSpPr>
+            <a:spLocks noGrp="1" noRot="1" noChangeAspect="1"/>
+          </p:cNvSpPr>
+          <p:nvPr>
+            <p:ph type="sldImg"/>
+          </p:nvPr>
+        </p:nvSpPr>
+        <p:spPr>
+          <a:xfrm>
+            <a:off x="381000" y="685800"/>
+            <a:ext cx="6096000" cy="3429000"/>
+          </a:xfrm>
+        </p:spPr>
+      </p:sp>
+      <p:sp>
+        <p:nvSpPr>
+          <p:cNvPr id="3" name="Notes Placeholder 2"/>
+          <p:cNvSpPr>
+            <a:spLocks noGrp="1"/>
+          </p:cNvSpPr>
+          <p:nvPr>
+            <p:ph type="body" idx="1"/>
+          </p:nvPr>
+        </p:nvSpPr>
+        <p:spPr/>
+        <p:txBody>
+          <a:bodyPr/>
+          <a:lstStyle/>
+          <a:p>
+            <a:r>
+              <a:rPr lang="en-CA" dirty="0"/>
+              <a:t>Sebastien</a:t>
+            </a:r>
+          </a:p>
+        </p:txBody>
+      </p:sp>
+    </p:spTree>
+    <p:extLst>
+      <p:ext uri="{BB962C8B-B14F-4D97-AF65-F5344CB8AC3E}">
+        <p14:creationId xmlns:p14="http://schemas.microsoft.com/office/powerpoint/2010/main" val="2893153774"/>
+      </p:ext>
+    </p:extLst>
+  </p:cSld>
+  <p:clrMapOvr>
+    <a:masterClrMapping/>
+  </p:clrMapOvr>
+</p:notes>
+</file>
+
+<file path=ppt/notesSlides/notesSlide3.xml><?xml version="1.0" encoding="utf-8"?>
+<p:notes xmlns:a="http://schemas.openxmlformats.org/drawingml/2006/main" xmlns:r="http://schemas.openxmlformats.org/officeDocument/2006/relationships" xmlns:p="http://schemas.openxmlformats.org/presentationml/2006/main">
+  <p:cSld>
+    <p:spTree>
+      <p:nvGrpSpPr>
+        <p:cNvPr id="1" name=""/>
+        <p:cNvGrpSpPr/>
+        <p:nvPr/>
+      </p:nvGrpSpPr>
+      <p:grpSpPr>
+        <a:xfrm>
+          <a:off x="0" y="0"/>
+          <a:ext cx="0" cy="0"/>
+          <a:chOff x="0" y="0"/>
+          <a:chExt cx="0" cy="0"/>
+        </a:xfrm>
+      </p:grpSpPr>
+      <p:sp>
+        <p:nvSpPr>
+          <p:cNvPr id="2" name="Slide Image Placeholder 1"/>
+          <p:cNvSpPr>
+            <a:spLocks noGrp="1" noRot="1" noChangeAspect="1"/>
+          </p:cNvSpPr>
+          <p:nvPr>
+            <p:ph type="sldImg"/>
+          </p:nvPr>
+        </p:nvSpPr>
+        <p:spPr>
+          <a:xfrm>
+            <a:off x="381000" y="685800"/>
+            <a:ext cx="6096000" cy="3429000"/>
+          </a:xfrm>
+        </p:spPr>
+      </p:sp>
+      <p:sp>
+        <p:nvSpPr>
+          <p:cNvPr id="3" name="Notes Placeholder 2"/>
+          <p:cNvSpPr>
+            <a:spLocks noGrp="1"/>
+          </p:cNvSpPr>
+          <p:nvPr>
+            <p:ph type="body" idx="1"/>
+          </p:nvPr>
+        </p:nvSpPr>
+        <p:spPr/>
+        <p:txBody>
+          <a:bodyPr/>
+          <a:lstStyle/>
+          <a:p>
+            <a:r>
+              <a:rPr lang="en-CA"/>
+              <a:t>Sebastien</a:t>
+            </a:r>
+            <a:endParaRPr lang="en-CA" dirty="0"/>
+          </a:p>
+        </p:txBody>
+      </p:sp>
+    </p:spTree>
+    <p:extLst>
+      <p:ext uri="{BB962C8B-B14F-4D97-AF65-F5344CB8AC3E}">
+        <p14:creationId xmlns:p14="http://schemas.microsoft.com/office/powerpoint/2010/main" val="3550941799"/>
+      </p:ext>
+    </p:extLst>
+  </p:cSld>
+  <p:clrMapOvr>
+    <a:masterClrMapping/>
+  </p:clrMapOvr>
+</p:notes>
+</file>
+
+<file path=ppt/notesSlides/notesSlide4.xml><?xml version="1.0" encoding="utf-8"?>
+<p:notes xmlns:a="http://schemas.openxmlformats.org/drawingml/2006/main" xmlns:r="http://schemas.openxmlformats.org/officeDocument/2006/relationships" xmlns:p="http://schemas.openxmlformats.org/presentationml/2006/main">
+  <p:cSld>
+    <p:spTree>
+      <p:nvGrpSpPr>
+        <p:cNvPr id="1" name=""/>
+        <p:cNvGrpSpPr/>
+        <p:nvPr/>
+      </p:nvGrpSpPr>
+      <p:grpSpPr>
+        <a:xfrm>
+          <a:off x="0" y="0"/>
+          <a:ext cx="0" cy="0"/>
+          <a:chOff x="0" y="0"/>
+          <a:chExt cx="0" cy="0"/>
+        </a:xfrm>
+      </p:grpSpPr>
+      <p:sp>
+        <p:nvSpPr>
+          <p:cNvPr id="2" name="Slide Image Placeholder 1"/>
+          <p:cNvSpPr>
+            <a:spLocks noGrp="1" noRot="1" noChangeAspect="1"/>
+          </p:cNvSpPr>
+          <p:nvPr>
+            <p:ph type="sldImg"/>
+          </p:nvPr>
+        </p:nvSpPr>
+        <p:spPr>
+          <a:xfrm>
+            <a:off x="381000" y="685800"/>
+            <a:ext cx="6096000" cy="3429000"/>
+          </a:xfrm>
+        </p:spPr>
+      </p:sp>
+      <p:sp>
+        <p:nvSpPr>
+          <p:cNvPr id="3" name="Notes Placeholder 2"/>
+          <p:cNvSpPr>
+            <a:spLocks noGrp="1"/>
+          </p:cNvSpPr>
+          <p:nvPr>
+            <p:ph type="body" idx="1"/>
+          </p:nvPr>
+        </p:nvSpPr>
+        <p:spPr/>
+        <p:txBody>
+          <a:bodyPr/>
+          <a:lstStyle/>
+          <a:p>
+            <a:endParaRPr lang="en-CA" dirty="0"/>
+          </a:p>
+        </p:txBody>
+      </p:sp>
+    </p:spTree>
+    <p:extLst>
+      <p:ext uri="{BB962C8B-B14F-4D97-AF65-F5344CB8AC3E}">
+        <p14:creationId xmlns:p14="http://schemas.microsoft.com/office/powerpoint/2010/main" val="1592497286"/>
+      </p:ext>
+    </p:extLst>
   </p:cSld>
   <p:clrMapOvr>
     <a:masterClrMapping/>
@@ -14219,7 +14424,7 @@
         </p:nvSpPr>
         <p:spPr>
           <a:xfrm>
-            <a:off x="464668" y="3972162"/>
+            <a:off x="504457" y="1173304"/>
             <a:ext cx="7785279" cy="502854"/>
           </a:xfrm>
           <a:prstGeom prst="rect">
@@ -15579,13 +15784,13 @@
           <p:nvPr>
             <p:extLst>
               <p:ext uri="{D42A27DB-BD31-4B8C-83A1-F6EECF244321}">
-                <p14:modId xmlns:p14="http://schemas.microsoft.com/office/powerpoint/2010/main" val="4000555439"/>
+                <p14:modId xmlns:p14="http://schemas.microsoft.com/office/powerpoint/2010/main" val="476515452"/>
               </p:ext>
             </p:extLst>
           </p:nvPr>
         </p:nvGraphicFramePr>
         <p:xfrm>
-          <a:off x="1080275" y="1482009"/>
+          <a:off x="1183306" y="2141855"/>
           <a:ext cx="2609522" cy="2179481"/>
         </p:xfrm>
         <a:graphic>
@@ -15608,8 +15813,8 @@
         </p:nvSpPr>
         <p:spPr>
           <a:xfrm>
-            <a:off x="4294066" y="2110084"/>
-            <a:ext cx="3320011" cy="923330"/>
+            <a:off x="4452582" y="2492868"/>
+            <a:ext cx="3320011" cy="1477328"/>
           </a:xfrm>
           <a:prstGeom prst="rect">
             <a:avLst/>
@@ -15637,7 +15842,34 @@
                   <a:schemeClr val="tx2"/>
                 </a:solidFill>
               </a:rPr>
-              <a:t>late planes fly faster </a:t>
+              <a:t>late planes fly faster</a:t>
+            </a:r>
+          </a:p>
+          <a:p>
+            <a:pPr algn="ctr"/>
+            <a:endParaRPr lang="en-CA" sz="1800" b="1" dirty="0">
+              <a:solidFill>
+                <a:schemeClr val="tx2"/>
+              </a:solidFill>
+            </a:endParaRPr>
+          </a:p>
+          <a:p>
+            <a:pPr algn="ctr"/>
+            <a:r>
+              <a:rPr lang="en-CA" sz="1800" dirty="0">
+                <a:solidFill>
+                  <a:schemeClr val="tx2"/>
+                </a:solidFill>
+              </a:rPr>
+              <a:t>(12 miles faster per hour)</a:t>
+            </a:r>
+            <a:r>
+              <a:rPr lang="en-CA" sz="1800" b="1" dirty="0">
+                <a:solidFill>
+                  <a:schemeClr val="tx2"/>
+                </a:solidFill>
+              </a:rPr>
+              <a:t> </a:t>
             </a:r>
           </a:p>
         </p:txBody>
@@ -15656,7 +15888,7 @@
         </p:nvSpPr>
         <p:spPr>
           <a:xfrm>
-            <a:off x="1213007" y="1240640"/>
+            <a:off x="1316038" y="1900486"/>
             <a:ext cx="2344057" cy="307777"/>
           </a:xfrm>
           <a:prstGeom prst="rect">
@@ -17090,7 +17322,7 @@
                 </a:solidFill>
                 <a:latin typeface="Arial (body)"/>
               </a:rPr>
-              <a:t>Busy-ness of airports – number of passengers is closely correlated with number of lanes </a:t>
+              <a:t>Busy-ness of airports – number of passengers is closely correlated with number of planes </a:t>
             </a:r>
           </a:p>
           <a:p>
@@ -19662,7 +19894,7 @@
         </p:blipFill>
         <p:spPr>
           <a:xfrm>
-            <a:off x="646561" y="1531617"/>
+            <a:off x="809118" y="1423043"/>
             <a:ext cx="2438749" cy="2774665"/>
           </a:xfrm>
           <a:prstGeom prst="rect">
@@ -19686,8 +19918,8 @@
         </p:nvSpPr>
         <p:spPr>
           <a:xfrm>
-            <a:off x="67614" y="957445"/>
-            <a:ext cx="9008771" cy="502854"/>
+            <a:off x="2576675" y="920189"/>
+            <a:ext cx="3511044" cy="502854"/>
           </a:xfrm>
           <a:prstGeom prst="rect">
             <a:avLst/>
@@ -19960,7 +20192,7 @@
         </p:blipFill>
         <p:spPr>
           <a:xfrm>
-            <a:off x="4373071" y="1548061"/>
+            <a:off x="4572000" y="1522404"/>
             <a:ext cx="3429297" cy="2591025"/>
           </a:xfrm>
           <a:prstGeom prst="rect">
@@ -19982,8 +20214,8 @@
         </p:nvSpPr>
         <p:spPr>
           <a:xfrm>
-            <a:off x="2823027" y="3150440"/>
-            <a:ext cx="1275351" cy="1283237"/>
+            <a:off x="3032072" y="2291391"/>
+            <a:ext cx="1330410" cy="1283237"/>
           </a:xfrm>
           <a:prstGeom prst="rect">
             <a:avLst/>
@@ -20041,7 +20273,7 @@
         </p:nvSpPr>
         <p:spPr>
           <a:xfrm>
-            <a:off x="7164692" y="3150440"/>
+            <a:off x="7676390" y="2236937"/>
             <a:ext cx="1275351" cy="1283237"/>
           </a:xfrm>
           <a:prstGeom prst="rect">
@@ -20083,6 +20315,62 @@
               <a:rPr lang="en-CA" dirty="0"/>
               <a:t>weather caused both weather delays and NAS delays</a:t>
             </a:r>
+          </a:p>
+        </p:txBody>
+      </p:sp>
+      <p:sp>
+        <p:nvSpPr>
+          <p:cNvPr id="2" name="Rectangle 1">
+            <a:extLst>
+              <a:ext uri="{FF2B5EF4-FFF2-40B4-BE49-F238E27FC236}">
+                <a16:creationId xmlns:a16="http://schemas.microsoft.com/office/drawing/2014/main" id="{A37FF04D-D906-73B5-F671-47B31C0ED3F2}"/>
+              </a:ext>
+            </a:extLst>
+          </p:cNvPr>
+          <p:cNvSpPr/>
+          <p:nvPr/>
+        </p:nvSpPr>
+        <p:spPr>
+          <a:xfrm>
+            <a:off x="836221" y="4377600"/>
+            <a:ext cx="7638078" cy="433895"/>
+          </a:xfrm>
+          <a:prstGeom prst="rect">
+            <a:avLst/>
+          </a:prstGeom>
+          <a:solidFill>
+            <a:srgbClr val="FFFFFF"/>
+          </a:solidFill>
+          <a:ln>
+            <a:solidFill>
+              <a:schemeClr val="accent4"/>
+            </a:solidFill>
+          </a:ln>
+        </p:spPr>
+        <p:style>
+          <a:lnRef idx="2">
+            <a:schemeClr val="accent6"/>
+          </a:lnRef>
+          <a:fillRef idx="1">
+            <a:schemeClr val="lt1"/>
+          </a:fillRef>
+          <a:effectRef idx="0">
+            <a:schemeClr val="accent6"/>
+          </a:effectRef>
+          <a:fontRef idx="minor">
+            <a:schemeClr val="dk1"/>
+          </a:fontRef>
+        </p:style>
+        <p:txBody>
+          <a:bodyPr rtlCol="0" anchor="ctr"/>
+          <a:lstStyle/>
+          <a:p>
+            <a:pPr algn="ctr"/>
+            <a:r>
+              <a:rPr lang="en-CA" b="1" dirty="0"/>
+              <a:t>Findings were interesting, but the models worked better with all the variables, not just those that appeared to have a correlation</a:t>
+            </a:r>
+            <a:endParaRPr lang="en-CA" dirty="0"/>
           </a:p>
         </p:txBody>
       </p:sp>
@@ -22467,40 +22755,6 @@
               <a:defRPr/>
             </a:pPr>
             <a:r>
-              <a:rPr lang="en-CA" sz="2000" dirty="0" err="1">
-                <a:solidFill>
-                  <a:schemeClr val="tx2"/>
-                </a:solidFill>
-              </a:rPr>
-              <a:t>XGBoost</a:t>
-            </a:r>
-            <a:endParaRPr lang="en-CA" sz="2000" dirty="0">
-              <a:solidFill>
-                <a:schemeClr val="tx2"/>
-              </a:solidFill>
-            </a:endParaRPr>
-          </a:p>
-          <a:p>
-            <a:pPr marL="342900" marR="0" lvl="0" indent="-342900" algn="l" defTabSz="914400" rtl="0" eaLnBrk="1" fontAlgn="auto" latinLnBrk="0" hangingPunct="1">
-              <a:lnSpc>
-                <a:spcPct val="100000"/>
-              </a:lnSpc>
-              <a:spcBef>
-                <a:spcPts val="0"/>
-              </a:spcBef>
-              <a:spcAft>
-                <a:spcPts val="0"/>
-              </a:spcAft>
-              <a:buClr>
-                <a:srgbClr val="000000"/>
-              </a:buClr>
-              <a:buSzTx/>
-              <a:buFont typeface="Arial" panose="020B0604020202020204" pitchFamily="34" charset="0"/>
-              <a:buChar char="•"/>
-              <a:tabLst/>
-              <a:defRPr/>
-            </a:pPr>
-            <a:r>
               <a:rPr lang="en-CA" sz="2000" dirty="0">
                 <a:solidFill>
                   <a:schemeClr val="tx2"/>
@@ -22566,6 +22820,26 @@
               </a:rPr>
               <a:t>Random Forest Classifier</a:t>
             </a:r>
+          </a:p>
+          <a:p>
+            <a:pPr marL="342900" indent="-342900">
+              <a:buFont typeface="Arial" panose="020B0604020202020204" pitchFamily="34" charset="0"/>
+              <a:buChar char="•"/>
+              <a:defRPr/>
+            </a:pPr>
+            <a:r>
+              <a:rPr lang="en-CA" sz="2000" dirty="0" err="1">
+                <a:solidFill>
+                  <a:schemeClr val="tx2"/>
+                </a:solidFill>
+              </a:rPr>
+              <a:t>XGBoost</a:t>
+            </a:r>
+            <a:endParaRPr lang="en-CA" sz="2000" dirty="0">
+              <a:solidFill>
+                <a:schemeClr val="tx2"/>
+              </a:solidFill>
+            </a:endParaRPr>
           </a:p>
         </p:txBody>
       </p:sp>
@@ -25270,7 +25544,7 @@
                   <a:schemeClr val="tx2"/>
                 </a:solidFill>
               </a:rPr>
-              <a:t>GridSearch</a:t>
+              <a:t>GridSearchCV</a:t>
             </a:r>
             <a:r>
               <a:rPr lang="en-CA" sz="2800" b="1" dirty="0">
@@ -25278,23 +25552,7 @@
                   <a:schemeClr val="tx2"/>
                 </a:solidFill>
               </a:rPr>
-              <a:t> to find best </a:t>
-            </a:r>
-            <a:r>
-              <a:rPr lang="en-CA" sz="2800" b="1" dirty="0" err="1">
-                <a:solidFill>
-                  <a:schemeClr val="tx2"/>
-                </a:solidFill>
-              </a:rPr>
-              <a:t>hyperparamers</a:t>
-            </a:r>
-            <a:r>
-              <a:rPr lang="en-CA" sz="2800" b="1" dirty="0">
-                <a:solidFill>
-                  <a:schemeClr val="tx2"/>
-                </a:solidFill>
-              </a:rPr>
-              <a:t>…</a:t>
+              <a:t> to find best hyperparameters…</a:t>
             </a:r>
             <a:endParaRPr lang="en-CA" sz="2800" dirty="0">
               <a:solidFill>
@@ -27608,8 +27866,8 @@
         </p:nvSpPr>
         <p:spPr>
           <a:xfrm>
-            <a:off x="908050" y="1841500"/>
-            <a:ext cx="7341897" cy="1169551"/>
+            <a:off x="908050" y="1332785"/>
+            <a:ext cx="7341897" cy="738664"/>
           </a:xfrm>
           <a:prstGeom prst="rect">
             <a:avLst/>
@@ -27651,22 +27909,6 @@
                 </a:solidFill>
               </a:rPr>
               <a:t>changed data types</a:t>
-            </a:r>
-          </a:p>
-          <a:p>
-            <a:pPr marL="285750" indent="-285750">
-              <a:buFont typeface="Arial" panose="020B0604020202020204" pitchFamily="34" charset="0"/>
-              <a:buChar char="•"/>
-            </a:pPr>
-            <a:r>
-              <a:rPr lang="en-CA" b="1" dirty="0">
-                <a:solidFill>
-                  <a:schemeClr val="accent3">
-                    <a:lumMod val="25000"/>
-                  </a:schemeClr>
-                </a:solidFill>
-              </a:rPr>
-              <a:t>Sebastien to detail what your data cleaning script does, I didn’t do much data cleaning</a:t>
             </a:r>
           </a:p>
           <a:p>
@@ -27835,7 +28077,7 @@
                   <a:schemeClr val="bg1"/>
                 </a:solidFill>
               </a:rPr>
-              <a:t>Data Preparation</a:t>
+              <a:t>Data Preparation and Cleaning</a:t>
             </a:r>
           </a:p>
           <a:p>
@@ -28765,6 +29007,42 @@
                 </a:schemeClr>
               </a:solidFill>
             </a:endParaRPr>
+          </a:p>
+        </p:txBody>
+      </p:sp>
+      <p:sp>
+        <p:nvSpPr>
+          <p:cNvPr id="9" name="TextBox 8">
+            <a:extLst>
+              <a:ext uri="{FF2B5EF4-FFF2-40B4-BE49-F238E27FC236}">
+                <a16:creationId xmlns:a16="http://schemas.microsoft.com/office/drawing/2014/main" id="{6469F1C7-69CB-5E60-1C75-958CE4AF83B8}"/>
+              </a:ext>
+            </a:extLst>
+          </p:cNvPr>
+          <p:cNvSpPr txBox="1"/>
+          <p:nvPr/>
+        </p:nvSpPr>
+        <p:spPr>
+          <a:xfrm>
+            <a:off x="2089150" y="1949450"/>
+            <a:ext cx="4896871" cy="1107996"/>
+          </a:xfrm>
+          <a:prstGeom prst="rect">
+            <a:avLst/>
+          </a:prstGeom>
+          <a:noFill/>
+        </p:spPr>
+        <p:txBody>
+          <a:bodyPr wrap="square" rtlCol="0">
+            <a:spAutoFit/>
+          </a:bodyPr>
+          <a:lstStyle/>
+          <a:p>
+            <a:r>
+              <a:rPr lang="en-CA" sz="6600" dirty="0"/>
+              <a:t>Sebastien</a:t>
+            </a:r>
+            <a:endParaRPr lang="en-CA" dirty="0"/>
           </a:p>
         </p:txBody>
       </p:sp>
@@ -29189,8 +29467,8 @@
         </p:nvSpPr>
         <p:spPr>
           <a:xfrm>
-            <a:off x="3603285" y="2419692"/>
-            <a:ext cx="1660426" cy="769441"/>
+            <a:off x="3601337" y="2673218"/>
+            <a:ext cx="1660426" cy="261610"/>
           </a:xfrm>
           <a:prstGeom prst="rect">
             <a:avLst/>
@@ -29210,7 +29488,7 @@
                   <a:schemeClr val="bg1"/>
                 </a:solidFill>
               </a:rPr>
-              <a:t>removed outliers which were more than three standard deviations from the mean</a:t>
+              <a:t>(+/- 3+ std from mean)</a:t>
             </a:r>
           </a:p>
         </p:txBody>

--- a/Supporting Documents/Presentation.pptx
+++ b/Supporting Documents/Presentation.pptx
@@ -1954,10 +1954,9 @@
           <a:lstStyle/>
           <a:p>
             <a:r>
-              <a:rPr lang="en-CA"/>
+              <a:rPr lang="en-CA" dirty="0"/>
               <a:t>Sebastien</a:t>
             </a:r>
-            <a:endParaRPr lang="en-CA" dirty="0"/>
           </a:p>
         </p:txBody>
       </p:sp>
@@ -18463,14 +18462,14 @@
           <p:nvPr>
             <p:extLst>
               <p:ext uri="{D42A27DB-BD31-4B8C-83A1-F6EECF244321}">
-                <p14:modId xmlns:p14="http://schemas.microsoft.com/office/powerpoint/2010/main" val="1331988536"/>
+                <p14:modId xmlns:p14="http://schemas.microsoft.com/office/powerpoint/2010/main" val="347954633"/>
               </p:ext>
             </p:extLst>
           </p:nvPr>
         </p:nvGraphicFramePr>
         <p:xfrm>
           <a:off x="790779" y="1499779"/>
-          <a:ext cx="7459168" cy="2143941"/>
+          <a:ext cx="7459168" cy="1923687"/>
         </p:xfrm>
         <a:graphic>
           <a:graphicData uri="http://schemas.openxmlformats.org/drawingml/2006/table">
@@ -18533,12 +18532,15 @@
                     <a:lstStyle/>
                     <a:p>
                       <a:r>
-                        <a:rPr lang="en-CA" b="1" dirty="0">
+                        <a:rPr lang="en-CA" sz="1400" b="0" i="0" u="none" strike="noStrike" cap="none" dirty="0">
                           <a:solidFill>
-                            <a:schemeClr val="accent2"/>
+                            <a:srgbClr val="000000"/>
                           </a:solidFill>
+                          <a:latin typeface="Arial"/>
+                          <a:cs typeface="Arial"/>
+                          <a:sym typeface="Arial"/>
                         </a:rPr>
-                        <a:t>Sebastien to fill in</a:t>
+                        <a:t>Precipitation, snowfall, temperature, wind speed, fog, thunder. Origin &amp; destination.</a:t>
                       </a:r>
                     </a:p>
                   </a:txBody>
@@ -18642,7 +18644,7 @@
                     <a:p>
                       <a:r>
                         <a:rPr lang="en-CA" dirty="0"/>
-                        <a:t>Pulled average passengers, percent seats full, payload, etc. </a:t>
+                        <a:t>Pulled average passengers, percent seats full, payload. Per route done by a carrier. </a:t>
                       </a:r>
                     </a:p>
                   </a:txBody>
@@ -18651,58 +18653,6 @@
                 <a:extLst>
                   <a:ext uri="{0D108BD9-81ED-4DB2-BD59-A6C34878D82A}">
                     <a16:rowId xmlns:a16="http://schemas.microsoft.com/office/drawing/2014/main" val="971430229"/>
-                  </a:ext>
-                </a:extLst>
-              </a:tr>
-              <a:tr h="369207">
-                <a:tc>
-                  <a:txBody>
-                    <a:bodyPr/>
-                    <a:lstStyle/>
-                    <a:p>
-                      <a:pPr marL="0" marR="0" lvl="0" indent="0" algn="l" defTabSz="914400" rtl="0" eaLnBrk="1" fontAlgn="auto" latinLnBrk="0" hangingPunct="1">
-                        <a:lnSpc>
-                          <a:spcPct val="100000"/>
-                        </a:lnSpc>
-                        <a:spcBef>
-                          <a:spcPts val="0"/>
-                        </a:spcBef>
-                        <a:spcAft>
-                          <a:spcPts val="0"/>
-                        </a:spcAft>
-                        <a:buClr>
-                          <a:srgbClr val="000000"/>
-                        </a:buClr>
-                        <a:buSzTx/>
-                        <a:buFont typeface="Arial"/>
-                        <a:buNone/>
-                        <a:tabLst/>
-                        <a:defRPr/>
-                      </a:pPr>
-                      <a:r>
-                        <a:rPr lang="en-CA" sz="1400" dirty="0"/>
-                        <a:t>airlines</a:t>
-                      </a:r>
-                    </a:p>
-                  </a:txBody>
-                  <a:tcPr/>
-                </a:tc>
-                <a:tc>
-                  <a:txBody>
-                    <a:bodyPr/>
-                    <a:lstStyle/>
-                    <a:p>
-                      <a:r>
-                        <a:rPr lang="en-CA" dirty="0"/>
-                        <a:t>One-hot encoded</a:t>
-                      </a:r>
-                    </a:p>
-                  </a:txBody>
-                  <a:tcPr/>
-                </a:tc>
-                <a:extLst>
-                  <a:ext uri="{0D108BD9-81ED-4DB2-BD59-A6C34878D82A}">
-                    <a16:rowId xmlns:a16="http://schemas.microsoft.com/office/drawing/2014/main" val="3364106425"/>
                   </a:ext>
                 </a:extLst>
               </a:tr>
@@ -21522,7 +21472,7 @@
                   <a:schemeClr val="tx2"/>
                 </a:solidFill>
               </a:rPr>
-              <a:t>Incorporated carriers</a:t>
+              <a:t>One-hot encoded the carriers</a:t>
             </a:r>
           </a:p>
           <a:p>
@@ -27866,8 +27816,8 @@
         </p:nvSpPr>
         <p:spPr>
           <a:xfrm>
-            <a:off x="908050" y="1332785"/>
-            <a:ext cx="7341897" cy="738664"/>
+            <a:off x="908051" y="1332785"/>
+            <a:ext cx="4889974" cy="2031325"/>
           </a:xfrm>
           <a:prstGeom prst="rect">
             <a:avLst/>
@@ -27892,8 +27842,21 @@
                   </a:schemeClr>
                 </a:solidFill>
               </a:rPr>
-              <a:t>renamed columns</a:t>
+              <a:t>Collect &amp; Import Datasets (flights details, passengers, airport details, airport weather)</a:t>
             </a:r>
+          </a:p>
+          <a:p>
+            <a:pPr marL="285750" indent="-285750">
+              <a:buFont typeface="Arial" panose="020B0604020202020204" pitchFamily="34" charset="0"/>
+              <a:buChar char="•"/>
+            </a:pPr>
+            <a:endParaRPr lang="en-CA" dirty="0">
+              <a:solidFill>
+                <a:schemeClr val="accent3">
+                  <a:lumMod val="25000"/>
+                </a:schemeClr>
+              </a:solidFill>
+            </a:endParaRPr>
           </a:p>
           <a:p>
             <a:pPr marL="285750" indent="-285750">
@@ -27908,7 +27871,36 @@
                   </a:schemeClr>
                 </a:solidFill>
               </a:rPr>
-              <a:t>changed data types</a:t>
+              <a:t>Cleaning (rename columns, outliers, missing values, and duplicates)</a:t>
+            </a:r>
+          </a:p>
+          <a:p>
+            <a:pPr marL="285750" indent="-285750">
+              <a:buFont typeface="Arial" panose="020B0604020202020204" pitchFamily="34" charset="0"/>
+              <a:buChar char="•"/>
+            </a:pPr>
+            <a:endParaRPr lang="en-CA" dirty="0">
+              <a:solidFill>
+                <a:schemeClr val="accent3">
+                  <a:lumMod val="25000"/>
+                </a:schemeClr>
+              </a:solidFill>
+            </a:endParaRPr>
+          </a:p>
+          <a:p>
+            <a:pPr marL="285750" indent="-285750">
+              <a:buFont typeface="Arial" panose="020B0604020202020204" pitchFamily="34" charset="0"/>
+              <a:buChar char="•"/>
+            </a:pPr>
+            <a:r>
+              <a:rPr lang="en-CA" dirty="0">
+                <a:solidFill>
+                  <a:schemeClr val="accent3">
+                    <a:lumMod val="25000"/>
+                  </a:schemeClr>
+                </a:solidFill>
+              </a:rPr>
+              <a:t>ID column to join all collected information into a single table to run our models on</a:t>
             </a:r>
           </a:p>
           <a:p>
@@ -29007,42 +28999,6 @@
                 </a:schemeClr>
               </a:solidFill>
             </a:endParaRPr>
-          </a:p>
-        </p:txBody>
-      </p:sp>
-      <p:sp>
-        <p:nvSpPr>
-          <p:cNvPr id="9" name="TextBox 8">
-            <a:extLst>
-              <a:ext uri="{FF2B5EF4-FFF2-40B4-BE49-F238E27FC236}">
-                <a16:creationId xmlns:a16="http://schemas.microsoft.com/office/drawing/2014/main" id="{6469F1C7-69CB-5E60-1C75-958CE4AF83B8}"/>
-              </a:ext>
-            </a:extLst>
-          </p:cNvPr>
-          <p:cNvSpPr txBox="1"/>
-          <p:nvPr/>
-        </p:nvSpPr>
-        <p:spPr>
-          <a:xfrm>
-            <a:off x="2089150" y="1949450"/>
-            <a:ext cx="4896871" cy="1107996"/>
-          </a:xfrm>
-          <a:prstGeom prst="rect">
-            <a:avLst/>
-          </a:prstGeom>
-          <a:noFill/>
-        </p:spPr>
-        <p:txBody>
-          <a:bodyPr wrap="square" rtlCol="0">
-            <a:spAutoFit/>
-          </a:bodyPr>
-          <a:lstStyle/>
-          <a:p>
-            <a:r>
-              <a:rPr lang="en-CA" sz="6600" dirty="0"/>
-              <a:t>Sebastien</a:t>
-            </a:r>
-            <a:endParaRPr lang="en-CA" dirty="0"/>
           </a:p>
         </p:txBody>
       </p:sp>
